--- a/trunk/Agile.net/AgileTOC.pptx
+++ b/trunk/Agile.net/AgileTOC.pptx
@@ -243,7 +243,7 @@
             <a:fld id="{C18D1C7F-F460-4900-8A7C-0D26CC5E5A28}" type="datetimeFigureOut">
               <a:rPr lang="en-US" smtClean="0"/>
               <a:pPr/>
-              <a:t>11/14/2008</a:t>
+              <a:t>11/16/2008</a:t>
             </a:fld>
             <a:endParaRPr lang="en-US"/>
           </a:p>
@@ -558,7 +558,7 @@
             <a:fld id="{C18D1C7F-F460-4900-8A7C-0D26CC5E5A28}" type="datetimeFigureOut">
               <a:rPr lang="en-US" smtClean="0"/>
               <a:pPr/>
-              <a:t>11/14/2008</a:t>
+              <a:t>11/16/2008</a:t>
             </a:fld>
             <a:endParaRPr lang="en-US"/>
           </a:p>
@@ -745,7 +745,7 @@
             <a:fld id="{C18D1C7F-F460-4900-8A7C-0D26CC5E5A28}" type="datetimeFigureOut">
               <a:rPr lang="en-US" smtClean="0"/>
               <a:pPr/>
-              <a:t>11/14/2008</a:t>
+              <a:t>11/16/2008</a:t>
             </a:fld>
             <a:endParaRPr lang="en-US"/>
           </a:p>
@@ -922,7 +922,7 @@
             <a:fld id="{C18D1C7F-F460-4900-8A7C-0D26CC5E5A28}" type="datetimeFigureOut">
               <a:rPr lang="en-US" smtClean="0"/>
               <a:pPr/>
-              <a:t>11/14/2008</a:t>
+              <a:t>11/16/2008</a:t>
             </a:fld>
             <a:endParaRPr lang="en-US"/>
           </a:p>
@@ -1192,7 +1192,7 @@
             <a:fld id="{C18D1C7F-F460-4900-8A7C-0D26CC5E5A28}" type="datetimeFigureOut">
               <a:rPr lang="en-US" smtClean="0"/>
               <a:pPr/>
-              <a:t>11/14/2008</a:t>
+              <a:t>11/16/2008</a:t>
             </a:fld>
             <a:endParaRPr lang="en-US"/>
           </a:p>
@@ -1662,7 +1662,7 @@
             <a:fld id="{C18D1C7F-F460-4900-8A7C-0D26CC5E5A28}" type="datetimeFigureOut">
               <a:rPr lang="en-US" smtClean="0"/>
               <a:pPr/>
-              <a:t>11/14/2008</a:t>
+              <a:t>11/16/2008</a:t>
             </a:fld>
             <a:endParaRPr lang="en-US"/>
           </a:p>
@@ -2153,7 +2153,7 @@
             <a:fld id="{C18D1C7F-F460-4900-8A7C-0D26CC5E5A28}" type="datetimeFigureOut">
               <a:rPr lang="en-US" smtClean="0"/>
               <a:pPr/>
-              <a:t>11/14/2008</a:t>
+              <a:t>11/16/2008</a:t>
             </a:fld>
             <a:endParaRPr lang="en-US"/>
           </a:p>
@@ -2281,7 +2281,7 @@
             <a:fld id="{C18D1C7F-F460-4900-8A7C-0D26CC5E5A28}" type="datetimeFigureOut">
               <a:rPr lang="en-US" smtClean="0"/>
               <a:pPr/>
-              <a:t>11/14/2008</a:t>
+              <a:t>11/16/2008</a:t>
             </a:fld>
             <a:endParaRPr lang="en-US"/>
           </a:p>
@@ -2427,7 +2427,7 @@
             <a:fld id="{C18D1C7F-F460-4900-8A7C-0D26CC5E5A28}" type="datetimeFigureOut">
               <a:rPr lang="en-US" smtClean="0"/>
               <a:pPr/>
-              <a:t>11/14/2008</a:t>
+              <a:t>11/16/2008</a:t>
             </a:fld>
             <a:endParaRPr lang="en-US"/>
           </a:p>
@@ -2751,7 +2751,7 @@
             <a:fld id="{C18D1C7F-F460-4900-8A7C-0D26CC5E5A28}" type="datetimeFigureOut">
               <a:rPr lang="en-US" smtClean="0"/>
               <a:pPr/>
-              <a:t>11/14/2008</a:t>
+              <a:t>11/16/2008</a:t>
             </a:fld>
             <a:endParaRPr lang="en-US"/>
           </a:p>
@@ -2887,7 +2887,7 @@
             <a:fld id="{C18D1C7F-F460-4900-8A7C-0D26CC5E5A28}" type="datetimeFigureOut">
               <a:rPr lang="en-US" smtClean="0"/>
               <a:pPr/>
-              <a:t>11/14/2008</a:t>
+              <a:t>11/16/2008</a:t>
             </a:fld>
             <a:endParaRPr lang="en-US"/>
           </a:p>
@@ -3670,7 +3670,7 @@
             <a:fld id="{C18D1C7F-F460-4900-8A7C-0D26CC5E5A28}" type="datetimeFigureOut">
               <a:rPr lang="en-US" smtClean="0"/>
               <a:pPr/>
-              <a:t>11/14/2008</a:t>
+              <a:t>11/16/2008</a:t>
             </a:fld>
             <a:endParaRPr lang="en-US"/>
           </a:p>
@@ -4207,11 +4207,7 @@
           <a:p>
             <a:r>
               <a:rPr lang="nl-BE" dirty="0" smtClean="0"/>
-              <a:t>Experiences of the </a:t>
-            </a:r>
-            <a:r>
-              <a:rPr lang="nl-BE" dirty="0" smtClean="0"/>
-              <a:t>Artilium</a:t>
+              <a:t>Experiences of the Artilium</a:t>
             </a:r>
             <a:r>
               <a:rPr lang="nl-BE" baseline="0" dirty="0" smtClean="0"/>
@@ -4403,6 +4399,133 @@
           </a:p>
         </p:txBody>
       </p:sp>
+      <p:pic>
+        <p:nvPicPr>
+          <p:cNvPr id="1026" name="Picture 2">
+            <a:hlinkClick r:id="rId2" action="ppaction://hlinkpres?slideindex=1&amp;slidetitle="/>
+          </p:cNvPr>
+          <p:cNvPicPr>
+            <a:picLocks noChangeAspect="1" noChangeArrowheads="1"/>
+          </p:cNvPicPr>
+          <p:nvPr/>
+        </p:nvPicPr>
+        <p:blipFill>
+          <a:blip r:embed="rId5" cstate="print"/>
+          <a:srcRect/>
+          <a:stretch>
+            <a:fillRect/>
+          </a:stretch>
+        </p:blipFill>
+        <p:spPr bwMode="auto">
+          <a:xfrm>
+            <a:off x="4071934" y="1142984"/>
+            <a:ext cx="2019108" cy="1514331"/>
+          </a:xfrm>
+          <a:prstGeom prst="rect">
+            <a:avLst/>
+          </a:prstGeom>
+          <a:noFill/>
+          <a:ln w="9525">
+            <a:noFill/>
+            <a:miter lim="800000"/>
+            <a:headEnd/>
+            <a:tailEnd/>
+          </a:ln>
+          <a:effectLst/>
+        </p:spPr>
+      </p:pic>
+      <p:pic>
+        <p:nvPicPr>
+          <p:cNvPr id="5" name="Picture 2">
+            <a:hlinkClick r:id="rId6" action="ppaction://hlinkpres?slideindex=1&amp;slidetitle="/>
+          </p:cNvPr>
+          <p:cNvPicPr>
+            <a:picLocks noChangeAspect="1" noChangeArrowheads="1"/>
+          </p:cNvPicPr>
+          <p:nvPr/>
+        </p:nvPicPr>
+        <p:blipFill>
+          <a:blip r:embed="rId7">
+            <a:clrChange>
+              <a:clrFrom>
+                <a:srgbClr val="FFFFFF"/>
+              </a:clrFrom>
+              <a:clrTo>
+                <a:srgbClr val="FFFFFF">
+                  <a:alpha val="0"/>
+                </a:srgbClr>
+              </a:clrTo>
+            </a:clrChange>
+          </a:blip>
+          <a:srcRect/>
+          <a:stretch>
+            <a:fillRect/>
+          </a:stretch>
+        </p:blipFill>
+        <p:spPr bwMode="auto">
+          <a:xfrm>
+            <a:off x="785786" y="4071942"/>
+            <a:ext cx="3843165" cy="1308506"/>
+          </a:xfrm>
+          <a:prstGeom prst="rect">
+            <a:avLst/>
+          </a:prstGeom>
+          <a:noFill/>
+          <a:ln w="9525">
+            <a:noFill/>
+            <a:miter lim="800000"/>
+            <a:headEnd/>
+            <a:tailEnd/>
+          </a:ln>
+          <a:effectLst/>
+        </p:spPr>
+      </p:pic>
+      <p:pic>
+        <p:nvPicPr>
+          <p:cNvPr id="1027" name="Picture 3">
+            <a:hlinkClick r:id="rId8" action="ppaction://hlinkpres?slideindex=1&amp;slidetitle="/>
+          </p:cNvPr>
+          <p:cNvPicPr>
+            <a:picLocks noChangeAspect="1" noChangeArrowheads="1"/>
+          </p:cNvPicPr>
+          <p:nvPr/>
+        </p:nvPicPr>
+        <p:blipFill>
+          <a:blip r:embed="rId9">
+            <a:clrChange>
+              <a:clrFrom>
+                <a:srgbClr val="FFFFFF"/>
+              </a:clrFrom>
+              <a:clrTo>
+                <a:srgbClr val="FFFFFF">
+                  <a:alpha val="0"/>
+                </a:srgbClr>
+              </a:clrTo>
+            </a:clrChange>
+          </a:blip>
+          <a:srcRect/>
+          <a:stretch>
+            <a:fillRect/>
+          </a:stretch>
+        </p:blipFill>
+        <p:spPr bwMode="auto">
+          <a:xfrm>
+            <a:off x="6429388" y="3286124"/>
+            <a:ext cx="1928816" cy="3124682"/>
+          </a:xfrm>
+          <a:prstGeom prst="rect">
+            <a:avLst/>
+          </a:prstGeom>
+          <a:noFill/>
+          <a:ln w="9525">
+            <a:noFill/>
+            <a:miter lim="800000"/>
+            <a:headEnd/>
+            <a:tailEnd/>
+          </a:ln>
+          <a:effectLst/>
+        </p:spPr>
+      </p:pic>
     </p:spTree>
   </p:cSld>
   <p:clrMapOvr>
@@ -4411,7 +4534,86 @@
   <p:timing>
     <p:tnLst>
       <p:par>
-        <p:cTn id="1" dur="indefinite" restart="never" nodeType="tmRoot"/>
+        <p:cTn id="1" dur="indefinite" restart="never" nodeType="tmRoot">
+          <p:childTnLst>
+            <p:seq concurrent="1" nextAc="seek">
+              <p:cTn id="2" dur="indefinite" nodeType="mainSeq">
+                <p:childTnLst>
+                  <p:par>
+                    <p:cTn id="3" fill="hold">
+                      <p:stCondLst>
+                        <p:cond delay="indefinite"/>
+                        <p:cond evt="onBegin" delay="0">
+                          <p:tn val="2"/>
+                        </p:cond>
+                      </p:stCondLst>
+                      <p:childTnLst>
+                        <p:par>
+                          <p:cTn id="4" fill="hold">
+                            <p:stCondLst>
+                              <p:cond delay="0"/>
+                            </p:stCondLst>
+                            <p:childTnLst>
+                              <p:par>
+                                <p:cTn id="5" presetID="10" presetClass="entr" presetSubtype="0" fill="hold" nodeType="withEffect">
+                                  <p:stCondLst>
+                                    <p:cond delay="0"/>
+                                  </p:stCondLst>
+                                  <p:childTnLst>
+                                    <p:set>
+                                      <p:cBhvr>
+                                        <p:cTn id="6" dur="1" fill="hold">
+                                          <p:stCondLst>
+                                            <p:cond delay="0"/>
+                                          </p:stCondLst>
+                                        </p:cTn>
+                                        <p:tgtEl>
+                                          <p:spTgt spid="5"/>
+                                        </p:tgtEl>
+                                        <p:attrNameLst>
+                                          <p:attrName>style.visibility</p:attrName>
+                                        </p:attrNameLst>
+                                      </p:cBhvr>
+                                      <p:to>
+                                        <p:strVal val="visible"/>
+                                      </p:to>
+                                    </p:set>
+                                    <p:animEffect transition="in" filter="fade">
+                                      <p:cBhvr>
+                                        <p:cTn id="7" dur="2000"/>
+                                        <p:tgtEl>
+                                          <p:spTgt spid="5"/>
+                                        </p:tgtEl>
+                                      </p:cBhvr>
+                                    </p:animEffect>
+                                  </p:childTnLst>
+                                </p:cTn>
+                              </p:par>
+                            </p:childTnLst>
+                          </p:cTn>
+                        </p:par>
+                      </p:childTnLst>
+                    </p:cTn>
+                  </p:par>
+                </p:childTnLst>
+              </p:cTn>
+              <p:prevCondLst>
+                <p:cond evt="onPrev" delay="0">
+                  <p:tgtEl>
+                    <p:sldTgt/>
+                  </p:tgtEl>
+                </p:cond>
+              </p:prevCondLst>
+              <p:nextCondLst>
+                <p:cond evt="onNext" delay="0">
+                  <p:tgtEl>
+                    <p:sldTgt/>
+                  </p:tgtEl>
+                </p:cond>
+              </p:nextCondLst>
+            </p:seq>
+          </p:childTnLst>
+        </p:cTn>
       </p:par>
     </p:tnLst>
   </p:timing>

--- a/trunk/Agile.net/AgileTOC.pptx
+++ b/trunk/Agile.net/AgileTOC.pptx
@@ -4306,102 +4306,9 @@
           <a:chExt cx="0" cy="0"/>
         </a:xfrm>
       </p:grpSpPr>
-      <p:sp>
-        <p:nvSpPr>
-          <p:cNvPr id="2" name="Title 1"/>
-          <p:cNvSpPr>
-            <a:spLocks noGrp="1"/>
-          </p:cNvSpPr>
-          <p:nvPr>
-            <p:ph type="title"/>
-          </p:nvPr>
-        </p:nvSpPr>
-        <p:spPr/>
-        <p:txBody>
-          <a:bodyPr/>
-          <a:lstStyle/>
-          <a:p>
-            <a:r>
-              <a:rPr lang="nl-BE" dirty="0" smtClean="0"/>
-              <a:t>Agile.net</a:t>
-            </a:r>
-            <a:endParaRPr lang="en-US" dirty="0"/>
-          </a:p>
-        </p:txBody>
-      </p:sp>
-      <p:sp>
-        <p:nvSpPr>
-          <p:cNvPr id="3" name="Content Placeholder 2"/>
-          <p:cNvSpPr>
-            <a:spLocks noGrp="1"/>
-          </p:cNvSpPr>
-          <p:nvPr>
-            <p:ph idx="1"/>
-          </p:nvPr>
-        </p:nvSpPr>
-        <p:spPr/>
-        <p:txBody>
-          <a:bodyPr/>
-          <a:lstStyle/>
-          <a:p>
-            <a:r>
-              <a:rPr lang="en-US" dirty="0" smtClean="0">
-                <a:hlinkClick r:id="rId2" action="ppaction://hlinkpres?slideindex=1&amp;slidetitle="/>
-              </a:rPr>
-              <a:t>Agile principles</a:t>
-            </a:r>
-            <a:endParaRPr lang="en-US" dirty="0" smtClean="0"/>
-          </a:p>
-          <a:p>
-            <a:r>
-              <a:rPr lang="en-US" dirty="0" smtClean="0">
-                <a:hlinkClick r:id="rId3" action="ppaction://hlinkpres?slideindex=1&amp;slidetitle="/>
-              </a:rPr>
-              <a:t>Agile applied to the </a:t>
-            </a:r>
-            <a:r>
-              <a:rPr lang="en-US" dirty="0" err="1" smtClean="0">
-                <a:hlinkClick r:id="rId3" action="ppaction://hlinkpres?slideindex=1&amp;slidetitle="/>
-              </a:rPr>
-              <a:t>Artilium</a:t>
-            </a:r>
-            <a:r>
-              <a:rPr lang="en-US" dirty="0" smtClean="0">
-                <a:hlinkClick r:id="rId3" action="ppaction://hlinkpres?slideindex=1&amp;slidetitle="/>
-              </a:rPr>
-              <a:t> project</a:t>
-            </a:r>
-            <a:endParaRPr lang="en-US" dirty="0" smtClean="0"/>
-          </a:p>
-          <a:p>
-            <a:r>
-              <a:rPr lang="en-US" dirty="0" smtClean="0">
-                <a:hlinkClick r:id="rId4" action="ppaction://hlinkpres?slideindex=1&amp;slidetitle="/>
-              </a:rPr>
-              <a:t>Agile in the </a:t>
-            </a:r>
-            <a:r>
-              <a:rPr lang="en-US" dirty="0" err="1" smtClean="0">
-                <a:hlinkClick r:id="rId4" action="ppaction://hlinkpres?slideindex=1&amp;slidetitle="/>
-              </a:rPr>
-              <a:t>.Net</a:t>
-            </a:r>
-            <a:r>
-              <a:rPr lang="en-US" dirty="0" smtClean="0">
-                <a:hlinkClick r:id="rId4" action="ppaction://hlinkpres?slideindex=1&amp;slidetitle="/>
-              </a:rPr>
-              <a:t> world</a:t>
-            </a:r>
-            <a:endParaRPr lang="en-US" dirty="0" smtClean="0"/>
-          </a:p>
-          <a:p>
-            <a:endParaRPr lang="en-US" dirty="0"/>
-          </a:p>
-        </p:txBody>
-      </p:sp>
       <p:pic>
         <p:nvPicPr>
-          <p:cNvPr id="1026" name="Picture 2">
+          <p:cNvPr id="5" name="Picture 2">
             <a:hlinkClick r:id="rId2" action="ppaction://hlinkpres?slideindex=1&amp;slidetitle="/>
           </p:cNvPr>
           <p:cNvPicPr>
@@ -4410,42 +4317,7 @@
           <p:nvPr/>
         </p:nvPicPr>
         <p:blipFill>
-          <a:blip r:embed="rId5" cstate="print"/>
-          <a:srcRect/>
-          <a:stretch>
-            <a:fillRect/>
-          </a:stretch>
-        </p:blipFill>
-        <p:spPr bwMode="auto">
-          <a:xfrm>
-            <a:off x="4071934" y="1142984"/>
-            <a:ext cx="2019108" cy="1514331"/>
-          </a:xfrm>
-          <a:prstGeom prst="rect">
-            <a:avLst/>
-          </a:prstGeom>
-          <a:noFill/>
-          <a:ln w="9525">
-            <a:noFill/>
-            <a:miter lim="800000"/>
-            <a:headEnd/>
-            <a:tailEnd/>
-          </a:ln>
-          <a:effectLst/>
-        </p:spPr>
-      </p:pic>
-      <p:pic>
-        <p:nvPicPr>
-          <p:cNvPr id="5" name="Picture 2">
-            <a:hlinkClick r:id="rId6" action="ppaction://hlinkpres?slideindex=1&amp;slidetitle="/>
-          </p:cNvPr>
-          <p:cNvPicPr>
-            <a:picLocks noChangeAspect="1" noChangeArrowheads="1"/>
-          </p:cNvPicPr>
-          <p:nvPr/>
-        </p:nvPicPr>
-        <p:blipFill>
-          <a:blip r:embed="rId7">
+          <a:blip r:embed="rId3">
             <a:clrChange>
               <a:clrFrom>
                 <a:srgbClr val="FFFFFF"/>
@@ -4464,8 +4336,177 @@
         </p:blipFill>
         <p:spPr bwMode="auto">
           <a:xfrm>
-            <a:off x="785786" y="4071942"/>
+            <a:off x="4286248" y="2500306"/>
             <a:ext cx="3843165" cy="1308506"/>
+          </a:xfrm>
+          <a:prstGeom prst="rect">
+            <a:avLst/>
+          </a:prstGeom>
+          <a:noFill/>
+          <a:ln w="9525">
+            <a:noFill/>
+            <a:miter lim="800000"/>
+            <a:headEnd/>
+            <a:tailEnd/>
+          </a:ln>
+          <a:effectLst/>
+        </p:spPr>
+      </p:pic>
+      <p:sp>
+        <p:nvSpPr>
+          <p:cNvPr id="8" name="TextBox 7"/>
+          <p:cNvSpPr txBox="1"/>
+          <p:nvPr/>
+        </p:nvSpPr>
+        <p:spPr>
+          <a:xfrm>
+            <a:off x="1000100" y="928670"/>
+            <a:ext cx="2624436" cy="523220"/>
+          </a:xfrm>
+          <a:prstGeom prst="rect">
+            <a:avLst/>
+          </a:prstGeom>
+        </p:spPr>
+        <p:style>
+          <a:lnRef idx="0">
+            <a:scrgbClr r="0" g="0" b="0"/>
+          </a:lnRef>
+          <a:fillRef idx="1003">
+            <a:schemeClr val="lt1"/>
+          </a:fillRef>
+          <a:effectRef idx="0">
+            <a:scrgbClr r="0" g="0" b="0"/>
+          </a:effectRef>
+          <a:fontRef idx="major"/>
+        </p:style>
+        <p:txBody>
+          <a:bodyPr wrap="none" rtlCol="0">
+            <a:spAutoFit/>
+          </a:bodyPr>
+          <a:lstStyle/>
+          <a:p>
+            <a:r>
+              <a:rPr lang="nl-BE" sz="2800" dirty="0" smtClean="0"/>
+              <a:t>Agile principles...</a:t>
+            </a:r>
+            <a:endParaRPr lang="en-US" sz="2800" dirty="0"/>
+          </a:p>
+        </p:txBody>
+      </p:sp>
+      <p:sp>
+        <p:nvSpPr>
+          <p:cNvPr id="9" name="TextBox 8"/>
+          <p:cNvSpPr txBox="1"/>
+          <p:nvPr/>
+        </p:nvSpPr>
+        <p:spPr>
+          <a:xfrm>
+            <a:off x="1000100" y="2857496"/>
+            <a:ext cx="2217851" cy="523220"/>
+          </a:xfrm>
+          <a:prstGeom prst="rect">
+            <a:avLst/>
+          </a:prstGeom>
+        </p:spPr>
+        <p:style>
+          <a:lnRef idx="0">
+            <a:scrgbClr r="0" g="0" b="0"/>
+          </a:lnRef>
+          <a:fillRef idx="1003">
+            <a:schemeClr val="lt1"/>
+          </a:fillRef>
+          <a:effectRef idx="0">
+            <a:scrgbClr r="0" g="0" b="0"/>
+          </a:effectRef>
+          <a:fontRef idx="major"/>
+        </p:style>
+        <p:txBody>
+          <a:bodyPr wrap="none" rtlCol="0">
+            <a:spAutoFit/>
+          </a:bodyPr>
+          <a:lstStyle/>
+          <a:p>
+            <a:r>
+              <a:rPr lang="nl-BE" sz="2800" dirty="0" smtClean="0"/>
+              <a:t>... applied on...</a:t>
+            </a:r>
+            <a:endParaRPr lang="en-US" sz="2800" dirty="0"/>
+          </a:p>
+        </p:txBody>
+      </p:sp>
+      <p:sp>
+        <p:nvSpPr>
+          <p:cNvPr id="10" name="TextBox 9"/>
+          <p:cNvSpPr txBox="1"/>
+          <p:nvPr/>
+        </p:nvSpPr>
+        <p:spPr>
+          <a:xfrm>
+            <a:off x="1000100" y="4214818"/>
+            <a:ext cx="4660250" cy="523220"/>
+          </a:xfrm>
+          <a:prstGeom prst="rect">
+            <a:avLst/>
+          </a:prstGeom>
+        </p:spPr>
+        <p:style>
+          <a:lnRef idx="0">
+            <a:scrgbClr r="0" g="0" b="0"/>
+          </a:lnRef>
+          <a:fillRef idx="1003">
+            <a:schemeClr val="lt1"/>
+          </a:fillRef>
+          <a:effectRef idx="0">
+            <a:scrgbClr r="0" g="0" b="0"/>
+          </a:effectRef>
+          <a:fontRef idx="major"/>
+        </p:style>
+        <p:txBody>
+          <a:bodyPr wrap="none" rtlCol="0">
+            <a:spAutoFit/>
+          </a:bodyPr>
+          <a:lstStyle/>
+          <a:p>
+            <a:r>
+              <a:rPr lang="nl-BE" sz="2800" dirty="0" smtClean="0"/>
+              <a:t>... with Microsoft technologies?</a:t>
+            </a:r>
+            <a:endParaRPr lang="en-US" sz="2800" dirty="0"/>
+          </a:p>
+        </p:txBody>
+      </p:sp>
+      <p:pic>
+        <p:nvPicPr>
+          <p:cNvPr id="1027" name="Picture 3">
+            <a:hlinkClick r:id="rId4" action="ppaction://hlinkpres?slideindex=1&amp;slidetitle="/>
+          </p:cNvPr>
+          <p:cNvPicPr>
+            <a:picLocks noChangeAspect="1" noChangeArrowheads="1"/>
+          </p:cNvPicPr>
+          <p:nvPr/>
+        </p:nvPicPr>
+        <p:blipFill>
+          <a:blip r:embed="rId5">
+            <a:clrChange>
+              <a:clrFrom>
+                <a:srgbClr val="FFFFFF"/>
+              </a:clrFrom>
+              <a:clrTo>
+                <a:srgbClr val="FFFFFF">
+                  <a:alpha val="0"/>
+                </a:srgbClr>
+              </a:clrTo>
+            </a:clrChange>
+          </a:blip>
+          <a:srcRect b="15409"/>
+          <a:stretch>
+            <a:fillRect/>
+          </a:stretch>
+        </p:blipFill>
+        <p:spPr bwMode="auto">
+          <a:xfrm>
+            <a:off x="5357818" y="4214794"/>
+            <a:ext cx="1928816" cy="2643206"/>
           </a:xfrm>
           <a:prstGeom prst="rect">
             <a:avLst/>
@@ -4482,8 +4523,8 @@
       </p:pic>
       <p:pic>
         <p:nvPicPr>
-          <p:cNvPr id="1027" name="Picture 3">
-            <a:hlinkClick r:id="rId8" action="ppaction://hlinkpres?slideindex=1&amp;slidetitle="/>
+          <p:cNvPr id="4" name="Picture 2">
+            <a:hlinkClick r:id="rId6" action="ppaction://hlinkpres?slideindex=1&amp;slidetitle="/>
           </p:cNvPr>
           <p:cNvPicPr>
             <a:picLocks noChangeAspect="1" noChangeArrowheads="1"/>
@@ -4491,18 +4532,7 @@
           <p:nvPr/>
         </p:nvPicPr>
         <p:blipFill>
-          <a:blip r:embed="rId9">
-            <a:clrChange>
-              <a:clrFrom>
-                <a:srgbClr val="FFFFFF"/>
-              </a:clrFrom>
-              <a:clrTo>
-                <a:srgbClr val="FFFFFF">
-                  <a:alpha val="0"/>
-                </a:srgbClr>
-              </a:clrTo>
-            </a:clrChange>
-          </a:blip>
+          <a:blip r:embed="rId7"/>
           <a:srcRect/>
           <a:stretch>
             <a:fillRect/>
@@ -4510,8 +4540,8 @@
         </p:blipFill>
         <p:spPr bwMode="auto">
           <a:xfrm>
-            <a:off x="6429388" y="3286124"/>
-            <a:ext cx="1928816" cy="3124682"/>
+            <a:off x="5214942" y="428604"/>
+            <a:ext cx="2000250" cy="1885950"/>
           </a:xfrm>
           <a:prstGeom prst="rect">
             <a:avLst/>
@@ -4555,7 +4585,7 @@
                             </p:stCondLst>
                             <p:childTnLst>
                               <p:par>
-                                <p:cTn id="5" presetID="10" presetClass="entr" presetSubtype="0" fill="hold" nodeType="withEffect">
+                                <p:cTn id="5" presetID="10" presetClass="entr" presetSubtype="0" fill="hold" grpId="0" nodeType="withEffect">
                                   <p:stCondLst>
                                     <p:cond delay="0"/>
                                   </p:stCondLst>
@@ -4563,6 +4593,147 @@
                                     <p:set>
                                       <p:cBhvr>
                                         <p:cTn id="6" dur="1" fill="hold">
+                                          <p:stCondLst>
+                                            <p:cond delay="0"/>
+                                          </p:stCondLst>
+                                        </p:cTn>
+                                        <p:tgtEl>
+                                          <p:spTgt spid="8"/>
+                                        </p:tgtEl>
+                                        <p:attrNameLst>
+                                          <p:attrName>style.visibility</p:attrName>
+                                        </p:attrNameLst>
+                                      </p:cBhvr>
+                                      <p:to>
+                                        <p:strVal val="visible"/>
+                                      </p:to>
+                                    </p:set>
+                                    <p:animEffect transition="in" filter="fade">
+                                      <p:cBhvr>
+                                        <p:cTn id="7" dur="1000"/>
+                                        <p:tgtEl>
+                                          <p:spTgt spid="8"/>
+                                        </p:tgtEl>
+                                      </p:cBhvr>
+                                    </p:animEffect>
+                                  </p:childTnLst>
+                                </p:cTn>
+                              </p:par>
+                            </p:childTnLst>
+                          </p:cTn>
+                        </p:par>
+                        <p:par>
+                          <p:cTn id="8" fill="hold">
+                            <p:stCondLst>
+                              <p:cond delay="1000"/>
+                            </p:stCondLst>
+                            <p:childTnLst>
+                              <p:par>
+                                <p:cTn id="9" presetID="10" presetClass="entr" presetSubtype="0" fill="hold" nodeType="afterEffect">
+                                  <p:stCondLst>
+                                    <p:cond delay="0"/>
+                                  </p:stCondLst>
+                                  <p:childTnLst>
+                                    <p:set>
+                                      <p:cBhvr>
+                                        <p:cTn id="10" dur="1" fill="hold">
+                                          <p:stCondLst>
+                                            <p:cond delay="0"/>
+                                          </p:stCondLst>
+                                        </p:cTn>
+                                        <p:tgtEl>
+                                          <p:spTgt spid="4"/>
+                                        </p:tgtEl>
+                                        <p:attrNameLst>
+                                          <p:attrName>style.visibility</p:attrName>
+                                        </p:attrNameLst>
+                                      </p:cBhvr>
+                                      <p:to>
+                                        <p:strVal val="visible"/>
+                                      </p:to>
+                                    </p:set>
+                                    <p:animEffect transition="in" filter="fade">
+                                      <p:cBhvr>
+                                        <p:cTn id="11" dur="1000"/>
+                                        <p:tgtEl>
+                                          <p:spTgt spid="4"/>
+                                        </p:tgtEl>
+                                      </p:cBhvr>
+                                    </p:animEffect>
+                                  </p:childTnLst>
+                                </p:cTn>
+                              </p:par>
+                            </p:childTnLst>
+                          </p:cTn>
+                        </p:par>
+                      </p:childTnLst>
+                    </p:cTn>
+                  </p:par>
+                  <p:par>
+                    <p:cTn id="12" fill="hold">
+                      <p:stCondLst>
+                        <p:cond delay="indefinite"/>
+                      </p:stCondLst>
+                      <p:childTnLst>
+                        <p:par>
+                          <p:cTn id="13" fill="hold">
+                            <p:stCondLst>
+                              <p:cond delay="0"/>
+                            </p:stCondLst>
+                            <p:childTnLst>
+                              <p:par>
+                                <p:cTn id="14" presetID="10" presetClass="entr" presetSubtype="0" fill="hold" grpId="0" nodeType="clickEffect">
+                                  <p:stCondLst>
+                                    <p:cond delay="0"/>
+                                  </p:stCondLst>
+                                  <p:childTnLst>
+                                    <p:set>
+                                      <p:cBhvr>
+                                        <p:cTn id="15" dur="1" fill="hold">
+                                          <p:stCondLst>
+                                            <p:cond delay="0"/>
+                                          </p:stCondLst>
+                                        </p:cTn>
+                                        <p:tgtEl>
+                                          <p:spTgt spid="9"/>
+                                        </p:tgtEl>
+                                        <p:attrNameLst>
+                                          <p:attrName>style.visibility</p:attrName>
+                                        </p:attrNameLst>
+                                      </p:cBhvr>
+                                      <p:to>
+                                        <p:strVal val="visible"/>
+                                      </p:to>
+                                    </p:set>
+                                    <p:animEffect transition="in" filter="fade">
+                                      <p:cBhvr>
+                                        <p:cTn id="16" dur="1000"/>
+                                        <p:tgtEl>
+                                          <p:spTgt spid="9"/>
+                                        </p:tgtEl>
+                                      </p:cBhvr>
+                                    </p:animEffect>
+                                  </p:childTnLst>
+                                </p:cTn>
+                              </p:par>
+                            </p:childTnLst>
+                          </p:cTn>
+                        </p:par>
+                        <p:par>
+                          <p:cTn id="17" fill="hold">
+                            <p:stCondLst>
+                              <p:cond delay="1000"/>
+                            </p:stCondLst>
+                            <p:childTnLst>
+                              <p:par>
+                                <p:cTn id="18" presetID="10" presetClass="entr" presetSubtype="0" fill="hold" nodeType="afterEffect">
+                                  <p:stCondLst>
+                                    <p:cond delay="0"/>
+                                  </p:stCondLst>
+                                  <p:childTnLst>
+                                    <p:set>
+                                      <p:cBhvr>
+                                        <p:cTn id="19" dur="1" fill="hold">
                                           <p:stCondLst>
                                             <p:cond delay="0"/>
                                           </p:stCondLst>
@@ -4580,9 +4751,106 @@
                                     </p:set>
                                     <p:animEffect transition="in" filter="fade">
                                       <p:cBhvr>
-                                        <p:cTn id="7" dur="2000"/>
+                                        <p:cTn id="20" dur="1000"/>
                                         <p:tgtEl>
                                           <p:spTgt spid="5"/>
+                                        </p:tgtEl>
+                                      </p:cBhvr>
+                                    </p:animEffect>
+                                  </p:childTnLst>
+                                </p:cTn>
+                              </p:par>
+                            </p:childTnLst>
+                          </p:cTn>
+                        </p:par>
+                      </p:childTnLst>
+                    </p:cTn>
+                  </p:par>
+                  <p:par>
+                    <p:cTn id="21" fill="hold">
+                      <p:stCondLst>
+                        <p:cond delay="indefinite"/>
+                      </p:stCondLst>
+                      <p:childTnLst>
+                        <p:par>
+                          <p:cTn id="22" fill="hold">
+                            <p:stCondLst>
+                              <p:cond delay="0"/>
+                            </p:stCondLst>
+                            <p:childTnLst>
+                              <p:par>
+                                <p:cTn id="23" presetID="10" presetClass="entr" presetSubtype="0" fill="hold" grpId="0" nodeType="clickEffect">
+                                  <p:stCondLst>
+                                    <p:cond delay="0"/>
+                                  </p:stCondLst>
+                                  <p:childTnLst>
+                                    <p:set>
+                                      <p:cBhvr>
+                                        <p:cTn id="24" dur="1" fill="hold">
+                                          <p:stCondLst>
+                                            <p:cond delay="0"/>
+                                          </p:stCondLst>
+                                        </p:cTn>
+                                        <p:tgtEl>
+                                          <p:spTgt spid="10"/>
+                                        </p:tgtEl>
+                                        <p:attrNameLst>
+                                          <p:attrName>style.visibility</p:attrName>
+                                        </p:attrNameLst>
+                                      </p:cBhvr>
+                                      <p:to>
+                                        <p:strVal val="visible"/>
+                                      </p:to>
+                                    </p:set>
+                                    <p:animEffect transition="in" filter="fade">
+                                      <p:cBhvr>
+                                        <p:cTn id="25" dur="1000"/>
+                                        <p:tgtEl>
+                                          <p:spTgt spid="10"/>
+                                        </p:tgtEl>
+                                      </p:cBhvr>
+                                    </p:animEffect>
+                                  </p:childTnLst>
+                                </p:cTn>
+                              </p:par>
+                            </p:childTnLst>
+                          </p:cTn>
+                        </p:par>
+                        <p:par>
+                          <p:cTn id="26" fill="hold">
+                            <p:stCondLst>
+                              <p:cond delay="1000"/>
+                            </p:stCondLst>
+                            <p:childTnLst>
+                              <p:par>
+                                <p:cTn id="27" presetID="10" presetClass="entr" presetSubtype="0" fill="hold" nodeType="afterEffect">
+                                  <p:stCondLst>
+                                    <p:cond delay="0"/>
+                                  </p:stCondLst>
+                                  <p:childTnLst>
+                                    <p:set>
+                                      <p:cBhvr>
+                                        <p:cTn id="28" dur="1" fill="hold">
+                                          <p:stCondLst>
+                                            <p:cond delay="0"/>
+                                          </p:stCondLst>
+                                        </p:cTn>
+                                        <p:tgtEl>
+                                          <p:spTgt spid="1027"/>
+                                        </p:tgtEl>
+                                        <p:attrNameLst>
+                                          <p:attrName>style.visibility</p:attrName>
+                                        </p:attrNameLst>
+                                      </p:cBhvr>
+                                      <p:to>
+                                        <p:strVal val="visible"/>
+                                      </p:to>
+                                    </p:set>
+                                    <p:animEffect transition="in" filter="fade">
+                                      <p:cBhvr>
+                                        <p:cTn id="29" dur="1000"/>
+                                        <p:tgtEl>
+                                          <p:spTgt spid="1027"/>
                                         </p:tgtEl>
                                       </p:cBhvr>
                                     </p:animEffect>
@@ -4616,6 +4884,11 @@
         </p:cTn>
       </p:par>
     </p:tnLst>
+    <p:bldLst>
+      <p:bldP spid="8" grpId="0" animBg="1"/>
+      <p:bldP spid="9" grpId="0" animBg="1"/>
+      <p:bldP spid="10" grpId="0" animBg="1"/>
+    </p:bldLst>
   </p:timing>
 </p:sld>
 </file>

--- a/trunk/Agile.net/AgileTOC.pptx
+++ b/trunk/Agile.net/AgileTOC.pptx
@@ -4306,9 +4306,172 @@
           <a:chExt cx="0" cy="0"/>
         </a:xfrm>
       </p:grpSpPr>
+      <p:sp>
+        <p:nvSpPr>
+          <p:cNvPr id="13" name="Rectangle 12"/>
+          <p:cNvSpPr/>
+          <p:nvPr/>
+        </p:nvSpPr>
+        <p:spPr>
+          <a:xfrm>
+            <a:off x="1071538" y="4071942"/>
+            <a:ext cx="7858180" cy="2714644"/>
+          </a:xfrm>
+          <a:prstGeom prst="rect">
+            <a:avLst/>
+          </a:prstGeom>
+        </p:spPr>
+        <p:style>
+          <a:lnRef idx="2">
+            <a:schemeClr val="accent2"/>
+          </a:lnRef>
+          <a:fillRef idx="1">
+            <a:schemeClr val="lt1"/>
+          </a:fillRef>
+          <a:effectRef idx="0">
+            <a:schemeClr val="accent2"/>
+          </a:effectRef>
+          <a:fontRef idx="minor">
+            <a:schemeClr val="dk1"/>
+          </a:fontRef>
+        </p:style>
+        <p:txBody>
+          <a:bodyPr rtlCol="0" anchor="ctr"/>
+          <a:lstStyle/>
+          <a:p>
+            <a:r>
+              <a:rPr lang="nl-BE" sz="2800" dirty="0" smtClean="0">
+                <a:solidFill>
+                  <a:schemeClr val="tx1"/>
+                </a:solidFill>
+              </a:rPr>
+              <a:t>... with Microsoft techonogies!</a:t>
+            </a:r>
+            <a:endParaRPr lang="nl-BE" sz="2800" dirty="0" smtClean="0">
+              <a:solidFill>
+                <a:schemeClr val="tx1"/>
+              </a:solidFill>
+            </a:endParaRPr>
+          </a:p>
+        </p:txBody>
+      </p:sp>
+      <p:sp>
+        <p:nvSpPr>
+          <p:cNvPr id="12" name="Rectangle 11"/>
+          <p:cNvSpPr/>
+          <p:nvPr/>
+        </p:nvSpPr>
+        <p:spPr>
+          <a:xfrm>
+            <a:off x="1071538" y="2357430"/>
+            <a:ext cx="7858180" cy="1571636"/>
+          </a:xfrm>
+          <a:prstGeom prst="rect">
+            <a:avLst/>
+          </a:prstGeom>
+        </p:spPr>
+        <p:style>
+          <a:lnRef idx="2">
+            <a:schemeClr val="accent2"/>
+          </a:lnRef>
+          <a:fillRef idx="1">
+            <a:schemeClr val="lt1"/>
+          </a:fillRef>
+          <a:effectRef idx="0">
+            <a:schemeClr val="accent2"/>
+          </a:effectRef>
+          <a:fontRef idx="minor">
+            <a:schemeClr val="dk1"/>
+          </a:fontRef>
+        </p:style>
+        <p:txBody>
+          <a:bodyPr rtlCol="0" anchor="ctr"/>
+          <a:lstStyle/>
+          <a:p>
+            <a:r>
+              <a:rPr lang="nl-BE" sz="2800" dirty="0" smtClean="0">
+                <a:solidFill>
+                  <a:schemeClr val="tx1"/>
+                </a:solidFill>
+              </a:rPr>
+              <a:t>... </a:t>
+            </a:r>
+            <a:r>
+              <a:rPr lang="nl-BE" sz="2800" dirty="0" smtClean="0">
+                <a:solidFill>
+                  <a:schemeClr val="tx1"/>
+                </a:solidFill>
+              </a:rPr>
+              <a:t>applied on</a:t>
+            </a:r>
+            <a:r>
+              <a:rPr lang="nl-BE" sz="2800" dirty="0" smtClean="0">
+                <a:solidFill>
+                  <a:schemeClr val="tx1"/>
+                </a:solidFill>
+              </a:rPr>
+              <a:t>...</a:t>
+            </a:r>
+            <a:endParaRPr lang="nl-BE" sz="2800" dirty="0" smtClean="0">
+              <a:solidFill>
+                <a:schemeClr val="tx1"/>
+              </a:solidFill>
+            </a:endParaRPr>
+          </a:p>
+        </p:txBody>
+      </p:sp>
+      <p:sp>
+        <p:nvSpPr>
+          <p:cNvPr id="11" name="Rectangle 10"/>
+          <p:cNvSpPr/>
+          <p:nvPr/>
+        </p:nvSpPr>
+        <p:spPr>
+          <a:xfrm>
+            <a:off x="1071538" y="142852"/>
+            <a:ext cx="7858180" cy="2071702"/>
+          </a:xfrm>
+          <a:prstGeom prst="rect">
+            <a:avLst/>
+          </a:prstGeom>
+        </p:spPr>
+        <p:style>
+          <a:lnRef idx="2">
+            <a:schemeClr val="accent2"/>
+          </a:lnRef>
+          <a:fillRef idx="1">
+            <a:schemeClr val="lt1"/>
+          </a:fillRef>
+          <a:effectRef idx="0">
+            <a:schemeClr val="accent2"/>
+          </a:effectRef>
+          <a:fontRef idx="minor">
+            <a:schemeClr val="dk1"/>
+          </a:fontRef>
+        </p:style>
+        <p:txBody>
+          <a:bodyPr rtlCol="0" anchor="ctr"/>
+          <a:lstStyle/>
+          <a:p>
+            <a:r>
+              <a:rPr lang="nl-BE" sz="2800" dirty="0" smtClean="0">
+                <a:solidFill>
+                  <a:schemeClr val="tx1"/>
+                </a:solidFill>
+              </a:rPr>
+              <a:t>Agile principles ...</a:t>
+            </a:r>
+            <a:endParaRPr lang="en-US" sz="2800" dirty="0">
+              <a:solidFill>
+                <a:schemeClr val="tx1"/>
+              </a:solidFill>
+            </a:endParaRPr>
+          </a:p>
+        </p:txBody>
+      </p:sp>
       <p:pic>
         <p:nvPicPr>
-          <p:cNvPr id="5" name="Picture 2">
+          <p:cNvPr id="1027" name="Picture 3">
             <a:hlinkClick r:id="rId2" action="ppaction://hlinkpres?slideindex=1&amp;slidetitle="/>
           </p:cNvPr>
           <p:cNvPicPr>
@@ -4329,175 +4492,6 @@
               </a:clrTo>
             </a:clrChange>
           </a:blip>
-          <a:srcRect/>
-          <a:stretch>
-            <a:fillRect/>
-          </a:stretch>
-        </p:blipFill>
-        <p:spPr bwMode="auto">
-          <a:xfrm>
-            <a:off x="4286248" y="2500306"/>
-            <a:ext cx="3843165" cy="1308506"/>
-          </a:xfrm>
-          <a:prstGeom prst="rect">
-            <a:avLst/>
-          </a:prstGeom>
-          <a:noFill/>
-          <a:ln w="9525">
-            <a:noFill/>
-            <a:miter lim="800000"/>
-            <a:headEnd/>
-            <a:tailEnd/>
-          </a:ln>
-          <a:effectLst/>
-        </p:spPr>
-      </p:pic>
-      <p:sp>
-        <p:nvSpPr>
-          <p:cNvPr id="8" name="TextBox 7"/>
-          <p:cNvSpPr txBox="1"/>
-          <p:nvPr/>
-        </p:nvSpPr>
-        <p:spPr>
-          <a:xfrm>
-            <a:off x="1000100" y="928670"/>
-            <a:ext cx="2624436" cy="523220"/>
-          </a:xfrm>
-          <a:prstGeom prst="rect">
-            <a:avLst/>
-          </a:prstGeom>
-        </p:spPr>
-        <p:style>
-          <a:lnRef idx="0">
-            <a:scrgbClr r="0" g="0" b="0"/>
-          </a:lnRef>
-          <a:fillRef idx="1003">
-            <a:schemeClr val="lt1"/>
-          </a:fillRef>
-          <a:effectRef idx="0">
-            <a:scrgbClr r="0" g="0" b="0"/>
-          </a:effectRef>
-          <a:fontRef idx="major"/>
-        </p:style>
-        <p:txBody>
-          <a:bodyPr wrap="none" rtlCol="0">
-            <a:spAutoFit/>
-          </a:bodyPr>
-          <a:lstStyle/>
-          <a:p>
-            <a:r>
-              <a:rPr lang="nl-BE" sz="2800" dirty="0" smtClean="0"/>
-              <a:t>Agile principles...</a:t>
-            </a:r>
-            <a:endParaRPr lang="en-US" sz="2800" dirty="0"/>
-          </a:p>
-        </p:txBody>
-      </p:sp>
-      <p:sp>
-        <p:nvSpPr>
-          <p:cNvPr id="9" name="TextBox 8"/>
-          <p:cNvSpPr txBox="1"/>
-          <p:nvPr/>
-        </p:nvSpPr>
-        <p:spPr>
-          <a:xfrm>
-            <a:off x="1000100" y="2857496"/>
-            <a:ext cx="2217851" cy="523220"/>
-          </a:xfrm>
-          <a:prstGeom prst="rect">
-            <a:avLst/>
-          </a:prstGeom>
-        </p:spPr>
-        <p:style>
-          <a:lnRef idx="0">
-            <a:scrgbClr r="0" g="0" b="0"/>
-          </a:lnRef>
-          <a:fillRef idx="1003">
-            <a:schemeClr val="lt1"/>
-          </a:fillRef>
-          <a:effectRef idx="0">
-            <a:scrgbClr r="0" g="0" b="0"/>
-          </a:effectRef>
-          <a:fontRef idx="major"/>
-        </p:style>
-        <p:txBody>
-          <a:bodyPr wrap="none" rtlCol="0">
-            <a:spAutoFit/>
-          </a:bodyPr>
-          <a:lstStyle/>
-          <a:p>
-            <a:r>
-              <a:rPr lang="nl-BE" sz="2800" dirty="0" smtClean="0"/>
-              <a:t>... applied on...</a:t>
-            </a:r>
-            <a:endParaRPr lang="en-US" sz="2800" dirty="0"/>
-          </a:p>
-        </p:txBody>
-      </p:sp>
-      <p:sp>
-        <p:nvSpPr>
-          <p:cNvPr id="10" name="TextBox 9"/>
-          <p:cNvSpPr txBox="1"/>
-          <p:nvPr/>
-        </p:nvSpPr>
-        <p:spPr>
-          <a:xfrm>
-            <a:off x="1000100" y="4214818"/>
-            <a:ext cx="4660250" cy="523220"/>
-          </a:xfrm>
-          <a:prstGeom prst="rect">
-            <a:avLst/>
-          </a:prstGeom>
-        </p:spPr>
-        <p:style>
-          <a:lnRef idx="0">
-            <a:scrgbClr r="0" g="0" b="0"/>
-          </a:lnRef>
-          <a:fillRef idx="1003">
-            <a:schemeClr val="lt1"/>
-          </a:fillRef>
-          <a:effectRef idx="0">
-            <a:scrgbClr r="0" g="0" b="0"/>
-          </a:effectRef>
-          <a:fontRef idx="major"/>
-        </p:style>
-        <p:txBody>
-          <a:bodyPr wrap="none" rtlCol="0">
-            <a:spAutoFit/>
-          </a:bodyPr>
-          <a:lstStyle/>
-          <a:p>
-            <a:r>
-              <a:rPr lang="nl-BE" sz="2800" dirty="0" smtClean="0"/>
-              <a:t>... with Microsoft technologies?</a:t>
-            </a:r>
-            <a:endParaRPr lang="en-US" sz="2800" dirty="0"/>
-          </a:p>
-        </p:txBody>
-      </p:sp>
-      <p:pic>
-        <p:nvPicPr>
-          <p:cNvPr id="1027" name="Picture 3">
-            <a:hlinkClick r:id="rId4" action="ppaction://hlinkpres?slideindex=1&amp;slidetitle="/>
-          </p:cNvPr>
-          <p:cNvPicPr>
-            <a:picLocks noChangeAspect="1" noChangeArrowheads="1"/>
-          </p:cNvPicPr>
-          <p:nvPr/>
-        </p:nvPicPr>
-        <p:blipFill>
-          <a:blip r:embed="rId5">
-            <a:clrChange>
-              <a:clrFrom>
-                <a:srgbClr val="FFFFFF"/>
-              </a:clrFrom>
-              <a:clrTo>
-                <a:srgbClr val="FFFFFF">
-                  <a:alpha val="0"/>
-                </a:srgbClr>
-              </a:clrTo>
-            </a:clrChange>
-          </a:blip>
           <a:srcRect b="15409"/>
           <a:stretch>
             <a:fillRect/>
@@ -4505,7 +4499,7 @@
         </p:blipFill>
         <p:spPr bwMode="auto">
           <a:xfrm>
-            <a:off x="5357818" y="4214794"/>
+            <a:off x="5729495" y="4214794"/>
             <a:ext cx="1928816" cy="2643206"/>
           </a:xfrm>
           <a:prstGeom prst="rect">
@@ -4524,6 +4518,41 @@
       <p:pic>
         <p:nvPicPr>
           <p:cNvPr id="4" name="Picture 2">
+            <a:hlinkClick r:id="rId4" action="ppaction://hlinkpres?slideindex=1&amp;slidetitle="/>
+          </p:cNvPr>
+          <p:cNvPicPr>
+            <a:picLocks noChangeAspect="1" noChangeArrowheads="1"/>
+          </p:cNvPicPr>
+          <p:nvPr/>
+        </p:nvPicPr>
+        <p:blipFill>
+          <a:blip r:embed="rId5"/>
+          <a:srcRect/>
+          <a:stretch>
+            <a:fillRect/>
+          </a:stretch>
+        </p:blipFill>
+        <p:spPr bwMode="auto">
+          <a:xfrm>
+            <a:off x="5729495" y="214290"/>
+            <a:ext cx="2000250" cy="1885950"/>
+          </a:xfrm>
+          <a:prstGeom prst="rect">
+            <a:avLst/>
+          </a:prstGeom>
+          <a:noFill/>
+          <a:ln w="9525">
+            <a:noFill/>
+            <a:miter lim="800000"/>
+            <a:headEnd/>
+            <a:tailEnd/>
+          </a:ln>
+          <a:effectLst/>
+        </p:spPr>
+      </p:pic>
+      <p:pic>
+        <p:nvPicPr>
+          <p:cNvPr id="5" name="Picture 2">
             <a:hlinkClick r:id="rId6" action="ppaction://hlinkpres?slideindex=1&amp;slidetitle="/>
           </p:cNvPr>
           <p:cNvPicPr>
@@ -4532,7 +4561,18 @@
           <p:nvPr/>
         </p:nvPicPr>
         <p:blipFill>
-          <a:blip r:embed="rId7"/>
+          <a:blip r:embed="rId7">
+            <a:clrChange>
+              <a:clrFrom>
+                <a:srgbClr val="FFFFFF"/>
+              </a:clrFrom>
+              <a:clrTo>
+                <a:srgbClr val="FFFFFF">
+                  <a:alpha val="0"/>
+                </a:srgbClr>
+              </a:clrTo>
+            </a:clrChange>
+          </a:blip>
           <a:srcRect/>
           <a:stretch>
             <a:fillRect/>
@@ -4540,8 +4580,8 @@
         </p:blipFill>
         <p:spPr bwMode="auto">
           <a:xfrm>
-            <a:off x="5214942" y="428604"/>
-            <a:ext cx="2000250" cy="1885950"/>
+            <a:off x="5658057" y="2643182"/>
+            <a:ext cx="3213711" cy="1094192"/>
           </a:xfrm>
           <a:prstGeom prst="rect">
             <a:avLst/>
@@ -4598,7 +4638,7 @@
                                           </p:stCondLst>
                                         </p:cTn>
                                         <p:tgtEl>
-                                          <p:spTgt spid="8"/>
+                                          <p:spTgt spid="11"/>
                                         </p:tgtEl>
                                         <p:attrNameLst>
                                           <p:attrName>style.visibility</p:attrName>
@@ -4610,33 +4650,24 @@
                                     </p:set>
                                     <p:animEffect transition="in" filter="fade">
                                       <p:cBhvr>
-                                        <p:cTn id="7" dur="1000"/>
+                                        <p:cTn id="7" dur="2000"/>
                                         <p:tgtEl>
-                                          <p:spTgt spid="8"/>
+                                          <p:spTgt spid="11"/>
                                         </p:tgtEl>
                                       </p:cBhvr>
                                     </p:animEffect>
                                   </p:childTnLst>
                                 </p:cTn>
                               </p:par>
-                            </p:childTnLst>
-                          </p:cTn>
-                        </p:par>
-                        <p:par>
-                          <p:cTn id="8" fill="hold">
-                            <p:stCondLst>
-                              <p:cond delay="1000"/>
-                            </p:stCondLst>
-                            <p:childTnLst>
                               <p:par>
-                                <p:cTn id="9" presetID="10" presetClass="entr" presetSubtype="0" fill="hold" nodeType="afterEffect">
+                                <p:cTn id="8" presetID="10" presetClass="entr" presetSubtype="0" fill="hold" nodeType="withEffect">
                                   <p:stCondLst>
                                     <p:cond delay="0"/>
                                   </p:stCondLst>
                                   <p:childTnLst>
                                     <p:set>
                                       <p:cBhvr>
-                                        <p:cTn id="10" dur="1" fill="hold">
+                                        <p:cTn id="9" dur="1" fill="hold">
                                           <p:stCondLst>
                                             <p:cond delay="0"/>
                                           </p:stCondLst>
@@ -4654,7 +4685,7 @@
                                     </p:set>
                                     <p:animEffect transition="in" filter="fade">
                                       <p:cBhvr>
-                                        <p:cTn id="11" dur="1000"/>
+                                        <p:cTn id="10" dur="1000"/>
                                         <p:tgtEl>
                                           <p:spTgt spid="4"/>
                                         </p:tgtEl>
@@ -4670,32 +4701,32 @@
                     </p:cTn>
                   </p:par>
                   <p:par>
-                    <p:cTn id="12" fill="hold">
+                    <p:cTn id="11" fill="hold">
                       <p:stCondLst>
                         <p:cond delay="indefinite"/>
                       </p:stCondLst>
                       <p:childTnLst>
                         <p:par>
-                          <p:cTn id="13" fill="hold">
+                          <p:cTn id="12" fill="hold">
                             <p:stCondLst>
                               <p:cond delay="0"/>
                             </p:stCondLst>
                             <p:childTnLst>
                               <p:par>
-                                <p:cTn id="14" presetID="10" presetClass="entr" presetSubtype="0" fill="hold" grpId="0" nodeType="clickEffect">
+                                <p:cTn id="13" presetID="10" presetClass="entr" presetSubtype="0" fill="hold" grpId="0" nodeType="clickEffect">
                                   <p:stCondLst>
                                     <p:cond delay="0"/>
                                   </p:stCondLst>
                                   <p:childTnLst>
                                     <p:set>
                                       <p:cBhvr>
-                                        <p:cTn id="15" dur="1" fill="hold">
+                                        <p:cTn id="14" dur="1" fill="hold">
                                           <p:stCondLst>
                                             <p:cond delay="0"/>
                                           </p:stCondLst>
                                         </p:cTn>
                                         <p:tgtEl>
-                                          <p:spTgt spid="9"/>
+                                          <p:spTgt spid="12"/>
                                         </p:tgtEl>
                                         <p:attrNameLst>
                                           <p:attrName>style.visibility</p:attrName>
@@ -4707,33 +4738,24 @@
                                     </p:set>
                                     <p:animEffect transition="in" filter="fade">
                                       <p:cBhvr>
-                                        <p:cTn id="16" dur="1000"/>
+                                        <p:cTn id="15" dur="2000"/>
                                         <p:tgtEl>
-                                          <p:spTgt spid="9"/>
+                                          <p:spTgt spid="12"/>
                                         </p:tgtEl>
                                       </p:cBhvr>
                                     </p:animEffect>
                                   </p:childTnLst>
                                 </p:cTn>
                               </p:par>
-                            </p:childTnLst>
-                          </p:cTn>
-                        </p:par>
-                        <p:par>
-                          <p:cTn id="17" fill="hold">
-                            <p:stCondLst>
-                              <p:cond delay="1000"/>
-                            </p:stCondLst>
-                            <p:childTnLst>
                               <p:par>
-                                <p:cTn id="18" presetID="10" presetClass="entr" presetSubtype="0" fill="hold" nodeType="afterEffect">
+                                <p:cTn id="16" presetID="10" presetClass="entr" presetSubtype="0" fill="hold" nodeType="withEffect">
                                   <p:stCondLst>
                                     <p:cond delay="0"/>
                                   </p:stCondLst>
                                   <p:childTnLst>
                                     <p:set>
                                       <p:cBhvr>
-                                        <p:cTn id="19" dur="1" fill="hold">
+                                        <p:cTn id="17" dur="1" fill="hold">
                                           <p:stCondLst>
                                             <p:cond delay="0"/>
                                           </p:stCondLst>
@@ -4751,7 +4773,7 @@
                                     </p:set>
                                     <p:animEffect transition="in" filter="fade">
                                       <p:cBhvr>
-                                        <p:cTn id="20" dur="1000"/>
+                                        <p:cTn id="18" dur="1000"/>
                                         <p:tgtEl>
                                           <p:spTgt spid="5"/>
                                         </p:tgtEl>
@@ -4767,32 +4789,32 @@
                     </p:cTn>
                   </p:par>
                   <p:par>
-                    <p:cTn id="21" fill="hold">
+                    <p:cTn id="19" fill="hold">
                       <p:stCondLst>
                         <p:cond delay="indefinite"/>
                       </p:stCondLst>
                       <p:childTnLst>
                         <p:par>
-                          <p:cTn id="22" fill="hold">
+                          <p:cTn id="20" fill="hold">
                             <p:stCondLst>
                               <p:cond delay="0"/>
                             </p:stCondLst>
                             <p:childTnLst>
                               <p:par>
-                                <p:cTn id="23" presetID="10" presetClass="entr" presetSubtype="0" fill="hold" grpId="0" nodeType="clickEffect">
+                                <p:cTn id="21" presetID="10" presetClass="entr" presetSubtype="0" fill="hold" grpId="0" nodeType="clickEffect">
                                   <p:stCondLst>
                                     <p:cond delay="0"/>
                                   </p:stCondLst>
                                   <p:childTnLst>
                                     <p:set>
                                       <p:cBhvr>
-                                        <p:cTn id="24" dur="1" fill="hold">
+                                        <p:cTn id="22" dur="1" fill="hold">
                                           <p:stCondLst>
                                             <p:cond delay="0"/>
                                           </p:stCondLst>
                                         </p:cTn>
                                         <p:tgtEl>
-                                          <p:spTgt spid="10"/>
+                                          <p:spTgt spid="13"/>
                                         </p:tgtEl>
                                         <p:attrNameLst>
                                           <p:attrName>style.visibility</p:attrName>
@@ -4804,33 +4826,24 @@
                                     </p:set>
                                     <p:animEffect transition="in" filter="fade">
                                       <p:cBhvr>
-                                        <p:cTn id="25" dur="1000"/>
+                                        <p:cTn id="23" dur="2000"/>
                                         <p:tgtEl>
-                                          <p:spTgt spid="10"/>
+                                          <p:spTgt spid="13"/>
                                         </p:tgtEl>
                                       </p:cBhvr>
                                     </p:animEffect>
                                   </p:childTnLst>
                                 </p:cTn>
                               </p:par>
-                            </p:childTnLst>
-                          </p:cTn>
-                        </p:par>
-                        <p:par>
-                          <p:cTn id="26" fill="hold">
-                            <p:stCondLst>
-                              <p:cond delay="1000"/>
-                            </p:stCondLst>
-                            <p:childTnLst>
                               <p:par>
-                                <p:cTn id="27" presetID="10" presetClass="entr" presetSubtype="0" fill="hold" nodeType="afterEffect">
+                                <p:cTn id="24" presetID="10" presetClass="entr" presetSubtype="0" fill="hold" nodeType="withEffect">
                                   <p:stCondLst>
                                     <p:cond delay="0"/>
                                   </p:stCondLst>
                                   <p:childTnLst>
                                     <p:set>
                                       <p:cBhvr>
-                                        <p:cTn id="28" dur="1" fill="hold">
+                                        <p:cTn id="25" dur="1" fill="hold">
                                           <p:stCondLst>
                                             <p:cond delay="0"/>
                                           </p:stCondLst>
@@ -4848,7 +4861,7 @@
                                     </p:set>
                                     <p:animEffect transition="in" filter="fade">
                                       <p:cBhvr>
-                                        <p:cTn id="29" dur="1000"/>
+                                        <p:cTn id="26" dur="1000"/>
                                         <p:tgtEl>
                                           <p:spTgt spid="1027"/>
                                         </p:tgtEl>
@@ -4885,9 +4898,9 @@
       </p:par>
     </p:tnLst>
     <p:bldLst>
-      <p:bldP spid="8" grpId="0" animBg="1"/>
-      <p:bldP spid="9" grpId="0" animBg="1"/>
-      <p:bldP spid="10" grpId="0" animBg="1"/>
+      <p:bldP spid="13" grpId="0" animBg="1"/>
+      <p:bldP spid="12" grpId="0" animBg="1"/>
+      <p:bldP spid="11" grpId="0" animBg="1"/>
     </p:bldLst>
   </p:timing>
 </p:sld>

--- a/trunk/Agile.net/AgileTOC.pptx
+++ b/trunk/Agile.net/AgileTOC.pptx
@@ -243,7 +243,7 @@
             <a:fld id="{C18D1C7F-F460-4900-8A7C-0D26CC5E5A28}" type="datetimeFigureOut">
               <a:rPr lang="en-US" smtClean="0"/>
               <a:pPr/>
-              <a:t>11/16/2008</a:t>
+              <a:t>11/17/2008</a:t>
             </a:fld>
             <a:endParaRPr lang="en-US"/>
           </a:p>
@@ -558,7 +558,7 @@
             <a:fld id="{C18D1C7F-F460-4900-8A7C-0D26CC5E5A28}" type="datetimeFigureOut">
               <a:rPr lang="en-US" smtClean="0"/>
               <a:pPr/>
-              <a:t>11/16/2008</a:t>
+              <a:t>11/17/2008</a:t>
             </a:fld>
             <a:endParaRPr lang="en-US"/>
           </a:p>
@@ -745,7 +745,7 @@
             <a:fld id="{C18D1C7F-F460-4900-8A7C-0D26CC5E5A28}" type="datetimeFigureOut">
               <a:rPr lang="en-US" smtClean="0"/>
               <a:pPr/>
-              <a:t>11/16/2008</a:t>
+              <a:t>11/17/2008</a:t>
             </a:fld>
             <a:endParaRPr lang="en-US"/>
           </a:p>
@@ -922,7 +922,7 @@
             <a:fld id="{C18D1C7F-F460-4900-8A7C-0D26CC5E5A28}" type="datetimeFigureOut">
               <a:rPr lang="en-US" smtClean="0"/>
               <a:pPr/>
-              <a:t>11/16/2008</a:t>
+              <a:t>11/17/2008</a:t>
             </a:fld>
             <a:endParaRPr lang="en-US"/>
           </a:p>
@@ -1192,7 +1192,7 @@
             <a:fld id="{C18D1C7F-F460-4900-8A7C-0D26CC5E5A28}" type="datetimeFigureOut">
               <a:rPr lang="en-US" smtClean="0"/>
               <a:pPr/>
-              <a:t>11/16/2008</a:t>
+              <a:t>11/17/2008</a:t>
             </a:fld>
             <a:endParaRPr lang="en-US"/>
           </a:p>
@@ -1662,7 +1662,7 @@
             <a:fld id="{C18D1C7F-F460-4900-8A7C-0D26CC5E5A28}" type="datetimeFigureOut">
               <a:rPr lang="en-US" smtClean="0"/>
               <a:pPr/>
-              <a:t>11/16/2008</a:t>
+              <a:t>11/17/2008</a:t>
             </a:fld>
             <a:endParaRPr lang="en-US"/>
           </a:p>
@@ -2153,7 +2153,7 @@
             <a:fld id="{C18D1C7F-F460-4900-8A7C-0D26CC5E5A28}" type="datetimeFigureOut">
               <a:rPr lang="en-US" smtClean="0"/>
               <a:pPr/>
-              <a:t>11/16/2008</a:t>
+              <a:t>11/17/2008</a:t>
             </a:fld>
             <a:endParaRPr lang="en-US"/>
           </a:p>
@@ -2281,7 +2281,7 @@
             <a:fld id="{C18D1C7F-F460-4900-8A7C-0D26CC5E5A28}" type="datetimeFigureOut">
               <a:rPr lang="en-US" smtClean="0"/>
               <a:pPr/>
-              <a:t>11/16/2008</a:t>
+              <a:t>11/17/2008</a:t>
             </a:fld>
             <a:endParaRPr lang="en-US"/>
           </a:p>
@@ -2427,7 +2427,7 @@
             <a:fld id="{C18D1C7F-F460-4900-8A7C-0D26CC5E5A28}" type="datetimeFigureOut">
               <a:rPr lang="en-US" smtClean="0"/>
               <a:pPr/>
-              <a:t>11/16/2008</a:t>
+              <a:t>11/17/2008</a:t>
             </a:fld>
             <a:endParaRPr lang="en-US"/>
           </a:p>
@@ -2751,7 +2751,7 @@
             <a:fld id="{C18D1C7F-F460-4900-8A7C-0D26CC5E5A28}" type="datetimeFigureOut">
               <a:rPr lang="en-US" smtClean="0"/>
               <a:pPr/>
-              <a:t>11/16/2008</a:t>
+              <a:t>11/17/2008</a:t>
             </a:fld>
             <a:endParaRPr lang="en-US"/>
           </a:p>
@@ -2887,7 +2887,7 @@
             <a:fld id="{C18D1C7F-F460-4900-8A7C-0D26CC5E5A28}" type="datetimeFigureOut">
               <a:rPr lang="en-US" smtClean="0"/>
               <a:pPr/>
-              <a:t>11/16/2008</a:t>
+              <a:t>11/17/2008</a:t>
             </a:fld>
             <a:endParaRPr lang="en-US"/>
           </a:p>
@@ -3670,7 +3670,7 @@
             <a:fld id="{C18D1C7F-F460-4900-8A7C-0D26CC5E5A28}" type="datetimeFigureOut">
               <a:rPr lang="en-US" smtClean="0"/>
               <a:pPr/>
-              <a:t>11/16/2008</a:t>
+              <a:t>11/17/2008</a:t>
             </a:fld>
             <a:endParaRPr lang="en-US"/>
           </a:p>
@@ -4347,11 +4347,6 @@
               </a:rPr>
               <a:t>... with Microsoft techonogies!</a:t>
             </a:r>
-            <a:endParaRPr lang="nl-BE" sz="2800" dirty="0" smtClean="0">
-              <a:solidFill>
-                <a:schemeClr val="tx1"/>
-              </a:solidFill>
-            </a:endParaRPr>
           </a:p>
         </p:txBody>
       </p:sp>
@@ -4394,29 +4389,8 @@
                   <a:schemeClr val="tx1"/>
                 </a:solidFill>
               </a:rPr>
-              <a:t>... </a:t>
-            </a:r>
-            <a:r>
-              <a:rPr lang="nl-BE" sz="2800" dirty="0" smtClean="0">
-                <a:solidFill>
-                  <a:schemeClr val="tx1"/>
-                </a:solidFill>
-              </a:rPr>
-              <a:t>applied on</a:t>
-            </a:r>
-            <a:r>
-              <a:rPr lang="nl-BE" sz="2800" dirty="0" smtClean="0">
-                <a:solidFill>
-                  <a:schemeClr val="tx1"/>
-                </a:solidFill>
-              </a:rPr>
-              <a:t>...</a:t>
-            </a:r>
-            <a:endParaRPr lang="nl-BE" sz="2800" dirty="0" smtClean="0">
-              <a:solidFill>
-                <a:schemeClr val="tx1"/>
-              </a:solidFill>
-            </a:endParaRPr>
+              <a:t>... applied on...</a:t>
+            </a:r>
           </a:p>
         </p:txBody>
       </p:sp>

--- a/trunk/Agile.net/AgileTOC.pptx
+++ b/trunk/Agile.net/AgileTOC.pptx
@@ -7,6 +7,7 @@
   <p:sldIdLst>
     <p:sldId id="257" r:id="rId2"/>
     <p:sldId id="258" r:id="rId3"/>
+    <p:sldId id="259" r:id="rId4"/>
   </p:sldIdLst>
   <p:sldSz cx="9144000" cy="6858000" type="screen4x3"/>
   <p:notesSz cx="6858000" cy="9144000"/>
@@ -4345,8 +4346,21 @@
                   <a:schemeClr val="tx1"/>
                 </a:solidFill>
               </a:rPr>
-              <a:t>... with Microsoft techonogies!</a:t>
-            </a:r>
+              <a:t>... with </a:t>
+            </a:r>
+            <a:r>
+              <a:rPr lang="nl-BE" sz="2800" dirty="0" smtClean="0">
+                <a:solidFill>
+                  <a:schemeClr val="tx1"/>
+                </a:solidFill>
+              </a:rPr>
+              <a:t>Microsoft technologies!</a:t>
+            </a:r>
+            <a:endParaRPr lang="nl-BE" sz="2800" dirty="0" smtClean="0">
+              <a:solidFill>
+                <a:schemeClr val="tx1"/>
+              </a:solidFill>
+            </a:endParaRPr>
           </a:p>
         </p:txBody>
       </p:sp>
@@ -4880,6 +4894,94 @@
 </p:sld>
 </file>
 
+<file path=ppt/slides/slide3.xml><?xml version="1.0" encoding="utf-8"?>
+<p:sld xmlns:a="http://schemas.openxmlformats.org/drawingml/2006/main" xmlns:r="http://schemas.openxmlformats.org/officeDocument/2006/relationships" xmlns:p="http://schemas.openxmlformats.org/presentationml/2006/main">
+  <p:cSld>
+    <p:spTree>
+      <p:nvGrpSpPr>
+        <p:cNvPr id="1" name=""/>
+        <p:cNvGrpSpPr/>
+        <p:nvPr/>
+      </p:nvGrpSpPr>
+      <p:grpSpPr>
+        <a:xfrm>
+          <a:off x="0" y="0"/>
+          <a:ext cx="0" cy="0"/>
+          <a:chOff x="0" y="0"/>
+          <a:chExt cx="0" cy="0"/>
+        </a:xfrm>
+      </p:grpSpPr>
+      <p:sp>
+        <p:nvSpPr>
+          <p:cNvPr id="2" name="Title 1"/>
+          <p:cNvSpPr>
+            <a:spLocks noGrp="1"/>
+          </p:cNvSpPr>
+          <p:nvPr>
+            <p:ph type="title"/>
+          </p:nvPr>
+        </p:nvSpPr>
+        <p:spPr/>
+        <p:txBody>
+          <a:bodyPr/>
+          <a:lstStyle/>
+          <a:p>
+            <a:r>
+              <a:rPr lang="en-GB" dirty="0" smtClean="0"/>
+              <a:t>End of sprint / Questions</a:t>
+            </a:r>
+            <a:endParaRPr lang="en-US" dirty="0"/>
+          </a:p>
+        </p:txBody>
+      </p:sp>
+      <p:pic>
+        <p:nvPicPr>
+          <p:cNvPr id="1026" name="Picture 2"/>
+          <p:cNvPicPr>
+            <a:picLocks noChangeAspect="1" noChangeArrowheads="1"/>
+          </p:cNvPicPr>
+          <p:nvPr/>
+        </p:nvPicPr>
+        <p:blipFill>
+          <a:blip r:embed="rId2"/>
+          <a:srcRect/>
+          <a:stretch>
+            <a:fillRect/>
+          </a:stretch>
+        </p:blipFill>
+        <p:spPr bwMode="auto">
+          <a:xfrm>
+            <a:off x="2643174" y="1928802"/>
+            <a:ext cx="4071966" cy="3174700"/>
+          </a:xfrm>
+          <a:prstGeom prst="rect">
+            <a:avLst/>
+          </a:prstGeom>
+          <a:noFill/>
+          <a:ln w="9525">
+            <a:noFill/>
+            <a:miter lim="800000"/>
+            <a:headEnd/>
+            <a:tailEnd/>
+          </a:ln>
+          <a:effectLst/>
+        </p:spPr>
+      </p:pic>
+    </p:spTree>
+  </p:cSld>
+  <p:clrMapOvr>
+    <a:masterClrMapping/>
+  </p:clrMapOvr>
+  <p:timing>
+    <p:tnLst>
+      <p:par>
+        <p:cTn id="1" dur="indefinite" restart="never" nodeType="tmRoot"/>
+      </p:par>
+    </p:tnLst>
+  </p:timing>
+</p:sld>
+</file>
+
 <file path=ppt/theme/theme1.xml><?xml version="1.0" encoding="utf-8"?>
 <a:theme xmlns:a="http://schemas.openxmlformats.org/drawingml/2006/main" name="Solstice">
   <a:themeElements>

--- a/trunk/Agile.net/AgileTOC.pptx
+++ b/trunk/Agile.net/AgileTOC.pptx
@@ -8,6 +8,7 @@
     <p:sldId id="257" r:id="rId2"/>
     <p:sldId id="258" r:id="rId3"/>
     <p:sldId id="259" r:id="rId4"/>
+    <p:sldId id="260" r:id="rId5"/>
   </p:sldIdLst>
   <p:sldSz cx="9144000" cy="6858000" type="screen4x3"/>
   <p:notesSz cx="6858000" cy="9144000"/>
@@ -244,7 +245,7 @@
             <a:fld id="{C18D1C7F-F460-4900-8A7C-0D26CC5E5A28}" type="datetimeFigureOut">
               <a:rPr lang="en-US" smtClean="0"/>
               <a:pPr/>
-              <a:t>11/17/2008</a:t>
+              <a:t>11/18/2008</a:t>
             </a:fld>
             <a:endParaRPr lang="en-US"/>
           </a:p>
@@ -559,7 +560,7 @@
             <a:fld id="{C18D1C7F-F460-4900-8A7C-0D26CC5E5A28}" type="datetimeFigureOut">
               <a:rPr lang="en-US" smtClean="0"/>
               <a:pPr/>
-              <a:t>11/17/2008</a:t>
+              <a:t>11/18/2008</a:t>
             </a:fld>
             <a:endParaRPr lang="en-US"/>
           </a:p>
@@ -746,7 +747,7 @@
             <a:fld id="{C18D1C7F-F460-4900-8A7C-0D26CC5E5A28}" type="datetimeFigureOut">
               <a:rPr lang="en-US" smtClean="0"/>
               <a:pPr/>
-              <a:t>11/17/2008</a:t>
+              <a:t>11/18/2008</a:t>
             </a:fld>
             <a:endParaRPr lang="en-US"/>
           </a:p>
@@ -923,7 +924,7 @@
             <a:fld id="{C18D1C7F-F460-4900-8A7C-0D26CC5E5A28}" type="datetimeFigureOut">
               <a:rPr lang="en-US" smtClean="0"/>
               <a:pPr/>
-              <a:t>11/17/2008</a:t>
+              <a:t>11/18/2008</a:t>
             </a:fld>
             <a:endParaRPr lang="en-US"/>
           </a:p>
@@ -1193,7 +1194,7 @@
             <a:fld id="{C18D1C7F-F460-4900-8A7C-0D26CC5E5A28}" type="datetimeFigureOut">
               <a:rPr lang="en-US" smtClean="0"/>
               <a:pPr/>
-              <a:t>11/17/2008</a:t>
+              <a:t>11/18/2008</a:t>
             </a:fld>
             <a:endParaRPr lang="en-US"/>
           </a:p>
@@ -1663,7 +1664,7 @@
             <a:fld id="{C18D1C7F-F460-4900-8A7C-0D26CC5E5A28}" type="datetimeFigureOut">
               <a:rPr lang="en-US" smtClean="0"/>
               <a:pPr/>
-              <a:t>11/17/2008</a:t>
+              <a:t>11/18/2008</a:t>
             </a:fld>
             <a:endParaRPr lang="en-US"/>
           </a:p>
@@ -2154,7 +2155,7 @@
             <a:fld id="{C18D1C7F-F460-4900-8A7C-0D26CC5E5A28}" type="datetimeFigureOut">
               <a:rPr lang="en-US" smtClean="0"/>
               <a:pPr/>
-              <a:t>11/17/2008</a:t>
+              <a:t>11/18/2008</a:t>
             </a:fld>
             <a:endParaRPr lang="en-US"/>
           </a:p>
@@ -2282,7 +2283,7 @@
             <a:fld id="{C18D1C7F-F460-4900-8A7C-0D26CC5E5A28}" type="datetimeFigureOut">
               <a:rPr lang="en-US" smtClean="0"/>
               <a:pPr/>
-              <a:t>11/17/2008</a:t>
+              <a:t>11/18/2008</a:t>
             </a:fld>
             <a:endParaRPr lang="en-US"/>
           </a:p>
@@ -2428,7 +2429,7 @@
             <a:fld id="{C18D1C7F-F460-4900-8A7C-0D26CC5E5A28}" type="datetimeFigureOut">
               <a:rPr lang="en-US" smtClean="0"/>
               <a:pPr/>
-              <a:t>11/17/2008</a:t>
+              <a:t>11/18/2008</a:t>
             </a:fld>
             <a:endParaRPr lang="en-US"/>
           </a:p>
@@ -2752,7 +2753,7 @@
             <a:fld id="{C18D1C7F-F460-4900-8A7C-0D26CC5E5A28}" type="datetimeFigureOut">
               <a:rPr lang="en-US" smtClean="0"/>
               <a:pPr/>
-              <a:t>11/17/2008</a:t>
+              <a:t>11/18/2008</a:t>
             </a:fld>
             <a:endParaRPr lang="en-US"/>
           </a:p>
@@ -2888,7 +2889,7 @@
             <a:fld id="{C18D1C7F-F460-4900-8A7C-0D26CC5E5A28}" type="datetimeFigureOut">
               <a:rPr lang="en-US" smtClean="0"/>
               <a:pPr/>
-              <a:t>11/17/2008</a:t>
+              <a:t>11/18/2008</a:t>
             </a:fld>
             <a:endParaRPr lang="en-US"/>
           </a:p>
@@ -3671,7 +3672,7 @@
             <a:fld id="{C18D1C7F-F460-4900-8A7C-0D26CC5E5A28}" type="datetimeFigureOut">
               <a:rPr lang="en-US" smtClean="0"/>
               <a:pPr/>
-              <a:t>11/17/2008</a:t>
+              <a:t>11/18/2008</a:t>
             </a:fld>
             <a:endParaRPr lang="en-US"/>
           </a:p>
@@ -4346,21 +4347,8 @@
                   <a:schemeClr val="tx1"/>
                 </a:solidFill>
               </a:rPr>
-              <a:t>... with </a:t>
-            </a:r>
-            <a:r>
-              <a:rPr lang="nl-BE" sz="2800" dirty="0" smtClean="0">
-                <a:solidFill>
-                  <a:schemeClr val="tx1"/>
-                </a:solidFill>
-              </a:rPr>
-              <a:t>Microsoft technologies!</a:t>
-            </a:r>
-            <a:endParaRPr lang="nl-BE" sz="2800" dirty="0" smtClean="0">
-              <a:solidFill>
-                <a:schemeClr val="tx1"/>
-              </a:solidFill>
-            </a:endParaRPr>
+              <a:t>... with Microsoft technologies!</a:t>
+            </a:r>
           </a:p>
         </p:txBody>
       </p:sp>
@@ -4923,14 +4911,16 @@
         </p:nvSpPr>
         <p:spPr/>
         <p:txBody>
-          <a:bodyPr/>
+          <a:bodyPr>
+            <a:normAutofit/>
+          </a:bodyPr>
           <a:lstStyle/>
           <a:p>
             <a:r>
-              <a:rPr lang="en-GB" dirty="0" smtClean="0"/>
-              <a:t>End of sprint / Questions</a:t>
-            </a:r>
-            <a:endParaRPr lang="en-US" dirty="0"/>
+              <a:rPr lang="en-GB" sz="5400" dirty="0" smtClean="0"/>
+              <a:t>Questions</a:t>
+            </a:r>
+            <a:endParaRPr lang="en-US" sz="5400" dirty="0"/>
           </a:p>
         </p:txBody>
       </p:sp>
@@ -4951,7 +4941,7 @@
         </p:blipFill>
         <p:spPr bwMode="auto">
           <a:xfrm>
-            <a:off x="2643174" y="1928802"/>
+            <a:off x="4143372" y="1500174"/>
             <a:ext cx="4071966" cy="3174700"/>
           </a:xfrm>
           <a:prstGeom prst="rect">
@@ -4979,6 +4969,126 @@
       </p:par>
     </p:tnLst>
   </p:timing>
+</p:sld>
+</file>
+
+<file path=ppt/slides/slide4.xml><?xml version="1.0" encoding="utf-8"?>
+<p:sld xmlns:a="http://schemas.openxmlformats.org/drawingml/2006/main" xmlns:r="http://schemas.openxmlformats.org/officeDocument/2006/relationships" xmlns:p="http://schemas.openxmlformats.org/presentationml/2006/main">
+  <p:cSld>
+    <p:spTree>
+      <p:nvGrpSpPr>
+        <p:cNvPr id="1" name=""/>
+        <p:cNvGrpSpPr/>
+        <p:nvPr/>
+      </p:nvGrpSpPr>
+      <p:grpSpPr>
+        <a:xfrm>
+          <a:off x="0" y="0"/>
+          <a:ext cx="0" cy="0"/>
+          <a:chOff x="0" y="0"/>
+          <a:chExt cx="0" cy="0"/>
+        </a:xfrm>
+      </p:grpSpPr>
+      <p:sp>
+        <p:nvSpPr>
+          <p:cNvPr id="4" name="Rectangle 3"/>
+          <p:cNvSpPr/>
+          <p:nvPr/>
+        </p:nvSpPr>
+        <p:spPr>
+          <a:xfrm>
+            <a:off x="857224" y="2285992"/>
+            <a:ext cx="7951454" cy="2215991"/>
+          </a:xfrm>
+          <a:prstGeom prst="rect">
+            <a:avLst/>
+          </a:prstGeom>
+          <a:noFill/>
+        </p:spPr>
+        <p:txBody>
+          <a:bodyPr wrap="square" lIns="91440" tIns="45720" rIns="91440" bIns="45720">
+            <a:spAutoFit/>
+            <a:scene3d>
+              <a:camera prst="orthographicFront"/>
+              <a:lightRig rig="soft" dir="tl">
+                <a:rot lat="0" lon="0" rev="0"/>
+              </a:lightRig>
+            </a:scene3d>
+            <a:sp3d contourW="25400" prstMaterial="matte">
+              <a:bevelT w="25400" h="55880" prst="artDeco"/>
+              <a:contourClr>
+                <a:schemeClr val="accent2">
+                  <a:tint val="20000"/>
+                </a:schemeClr>
+              </a:contourClr>
+            </a:sp3d>
+          </a:bodyPr>
+          <a:lstStyle/>
+          <a:p>
+            <a:pPr algn="ctr"/>
+            <a:r>
+              <a:rPr lang="en-US" sz="13800" b="1" spc="50" dirty="0" smtClean="0">
+                <a:ln w="11430"/>
+                <a:gradFill>
+                  <a:gsLst>
+                    <a:gs pos="25000">
+                      <a:schemeClr val="accent2">
+                        <a:satMod val="155000"/>
+                      </a:schemeClr>
+                    </a:gs>
+                    <a:gs pos="100000">
+                      <a:schemeClr val="accent2">
+                        <a:shade val="45000"/>
+                        <a:satMod val="165000"/>
+                      </a:schemeClr>
+                    </a:gs>
+                  </a:gsLst>
+                  <a:lin ang="5400000"/>
+                </a:gradFill>
+                <a:effectLst>
+                  <a:outerShdw blurRad="76200" dist="50800" dir="5400000" algn="tl" rotWithShape="0">
+                    <a:srgbClr val="000000">
+                      <a:alpha val="65000"/>
+                    </a:srgbClr>
+                  </a:outerShdw>
+                </a:effectLst>
+              </a:rPr>
+              <a:t>The End</a:t>
+            </a:r>
+            <a:endParaRPr lang="en-US" sz="13800" b="1" spc="50" dirty="0">
+              <a:ln w="11430"/>
+              <a:gradFill>
+                <a:gsLst>
+                  <a:gs pos="25000">
+                    <a:schemeClr val="accent2">
+                      <a:satMod val="155000"/>
+                    </a:schemeClr>
+                  </a:gs>
+                  <a:gs pos="100000">
+                    <a:schemeClr val="accent2">
+                      <a:shade val="45000"/>
+                      <a:satMod val="165000"/>
+                    </a:schemeClr>
+                  </a:gs>
+                </a:gsLst>
+                <a:lin ang="5400000"/>
+              </a:gradFill>
+              <a:effectLst>
+                <a:outerShdw blurRad="76200" dist="50800" dir="5400000" algn="tl" rotWithShape="0">
+                  <a:srgbClr val="000000">
+                    <a:alpha val="65000"/>
+                  </a:srgbClr>
+                </a:outerShdw>
+              </a:effectLst>
+            </a:endParaRPr>
+          </a:p>
+        </p:txBody>
+      </p:sp>
+    </p:spTree>
+  </p:cSld>
+  <p:clrMapOvr>
+    <a:masterClrMapping/>
+  </p:clrMapOvr>
 </p:sld>
 </file>
 
